--- a/ppt 16-9/0346.真神爱世人.pptx
+++ b/ppt 16-9/0346.真神爱世人.pptx
@@ -5,7 +5,7 @@
     <p:sldMasterId id="2147483648" r:id="rId1"/>
   </p:sldMasterIdLst>
   <p:sldIdLst>
-    <p:sldId id="3248" r:id="rId2"/>
+    <p:sldId id="3250" r:id="rId2"/>
   </p:sldIdLst>
   <p:sldSz cx="12192000" cy="6858000"/>
   <p:notesSz cx="6858000" cy="9144000"/>
@@ -129,7 +129,7 @@
           <p:cNvPr id="2" name="标题 1">
             <a:extLst>
               <a:ext uri="{FF2B5EF4-FFF2-40B4-BE49-F238E27FC236}">
-                <a16:creationId xmlns:a16="http://schemas.microsoft.com/office/drawing/2014/main" id="{62F2FDA6-A015-C0DE-572C-0BB54CB83EDB}"/>
+                <a16:creationId xmlns:a16="http://schemas.microsoft.com/office/drawing/2014/main" id="{0DBCEA94-FFB5-1F5C-04A5-9C00A5195481}"/>
               </a:ext>
             </a:extLst>
           </p:cNvPr>
@@ -166,7 +166,7 @@
           <p:cNvPr id="3" name="副标题 2">
             <a:extLst>
               <a:ext uri="{FF2B5EF4-FFF2-40B4-BE49-F238E27FC236}">
-                <a16:creationId xmlns:a16="http://schemas.microsoft.com/office/drawing/2014/main" id="{B55227D2-4797-4DCE-40DE-6220189FF719}"/>
+                <a16:creationId xmlns:a16="http://schemas.microsoft.com/office/drawing/2014/main" id="{B857711A-58F6-B369-0F3D-F3E5A1A3FFAD}"/>
               </a:ext>
             </a:extLst>
           </p:cNvPr>
@@ -236,7 +236,7 @@
           <p:cNvPr id="4" name="日期占位符 3">
             <a:extLst>
               <a:ext uri="{FF2B5EF4-FFF2-40B4-BE49-F238E27FC236}">
-                <a16:creationId xmlns:a16="http://schemas.microsoft.com/office/drawing/2014/main" id="{EAB780A0-BBB2-1A27-C81E-2B13B6CBA9FE}"/>
+                <a16:creationId xmlns:a16="http://schemas.microsoft.com/office/drawing/2014/main" id="{8B797D45-E664-8C8A-B0D8-8BA574C2D880}"/>
               </a:ext>
             </a:extLst>
           </p:cNvPr>
@@ -252,7 +252,7 @@
           <a:bodyPr/>
           <a:lstStyle/>
           <a:p>
-            <a:fld id="{1DA74281-D6EF-4865-B73E-40E2CA04A29D}" type="datetimeFigureOut">
+            <a:fld id="{A7C90995-E86F-4C5E-9D44-6D6B3A0B6761}" type="datetimeFigureOut">
               <a:rPr lang="zh-CN" altLang="en-US" smtClean="0"/>
               <a:t>2024/3/10</a:t>
             </a:fld>
@@ -265,7 +265,7 @@
           <p:cNvPr id="5" name="页脚占位符 4">
             <a:extLst>
               <a:ext uri="{FF2B5EF4-FFF2-40B4-BE49-F238E27FC236}">
-                <a16:creationId xmlns:a16="http://schemas.microsoft.com/office/drawing/2014/main" id="{34744DA5-A9F0-91C5-4323-50BE069F4DBD}"/>
+                <a16:creationId xmlns:a16="http://schemas.microsoft.com/office/drawing/2014/main" id="{56910606-11AB-08C1-B8D5-53C3D9A216E1}"/>
               </a:ext>
             </a:extLst>
           </p:cNvPr>
@@ -290,7 +290,7 @@
           <p:cNvPr id="6" name="灯片编号占位符 5">
             <a:extLst>
               <a:ext uri="{FF2B5EF4-FFF2-40B4-BE49-F238E27FC236}">
-                <a16:creationId xmlns:a16="http://schemas.microsoft.com/office/drawing/2014/main" id="{521FF223-0D40-1102-AB09-09BCC5BD2275}"/>
+                <a16:creationId xmlns:a16="http://schemas.microsoft.com/office/drawing/2014/main" id="{2D7AF9B1-00FF-CA21-66D4-9CE57827AE5F}"/>
               </a:ext>
             </a:extLst>
           </p:cNvPr>
@@ -306,7 +306,7 @@
           <a:bodyPr/>
           <a:lstStyle/>
           <a:p>
-            <a:fld id="{05347555-3B71-486C-9CA1-C7D10AA64AFA}" type="slidenum">
+            <a:fld id="{050105EB-9BC7-418C-A1CB-BCBA18BAA1C9}" type="slidenum">
               <a:rPr lang="zh-CN" altLang="en-US" smtClean="0"/>
               <a:t>‹#›</a:t>
             </a:fld>
@@ -317,7 +317,7 @@
     </p:spTree>
     <p:extLst>
       <p:ext uri="{BB962C8B-B14F-4D97-AF65-F5344CB8AC3E}">
-        <p14:creationId xmlns:p14="http://schemas.microsoft.com/office/powerpoint/2010/main" val="1377439288"/>
+        <p14:creationId xmlns:p14="http://schemas.microsoft.com/office/powerpoint/2010/main" val="1458744996"/>
       </p:ext>
     </p:extLst>
   </p:cSld>
@@ -349,7 +349,7 @@
           <p:cNvPr id="2" name="标题 1">
             <a:extLst>
               <a:ext uri="{FF2B5EF4-FFF2-40B4-BE49-F238E27FC236}">
-                <a16:creationId xmlns:a16="http://schemas.microsoft.com/office/drawing/2014/main" id="{48678E54-AE06-BDD3-AAA1-AB4450E48997}"/>
+                <a16:creationId xmlns:a16="http://schemas.microsoft.com/office/drawing/2014/main" id="{FD3D7294-8F2E-AD28-877F-1F761FC3924D}"/>
               </a:ext>
             </a:extLst>
           </p:cNvPr>
@@ -377,7 +377,7 @@
           <p:cNvPr id="3" name="竖排文字占位符 2">
             <a:extLst>
               <a:ext uri="{FF2B5EF4-FFF2-40B4-BE49-F238E27FC236}">
-                <a16:creationId xmlns:a16="http://schemas.microsoft.com/office/drawing/2014/main" id="{1EA745A5-72FC-DFA1-906F-901DEBA34D57}"/>
+                <a16:creationId xmlns:a16="http://schemas.microsoft.com/office/drawing/2014/main" id="{3A29D5CA-71F1-AEE7-908F-981CB9E1B790}"/>
               </a:ext>
             </a:extLst>
           </p:cNvPr>
@@ -434,7 +434,7 @@
           <p:cNvPr id="4" name="日期占位符 3">
             <a:extLst>
               <a:ext uri="{FF2B5EF4-FFF2-40B4-BE49-F238E27FC236}">
-                <a16:creationId xmlns:a16="http://schemas.microsoft.com/office/drawing/2014/main" id="{41321C70-C1A9-F3F4-73EF-23E3F42F22E7}"/>
+                <a16:creationId xmlns:a16="http://schemas.microsoft.com/office/drawing/2014/main" id="{98EE1AF9-8DA8-487A-EB6D-9660AA8AF99C}"/>
               </a:ext>
             </a:extLst>
           </p:cNvPr>
@@ -450,7 +450,7 @@
           <a:bodyPr/>
           <a:lstStyle/>
           <a:p>
-            <a:fld id="{1DA74281-D6EF-4865-B73E-40E2CA04A29D}" type="datetimeFigureOut">
+            <a:fld id="{A7C90995-E86F-4C5E-9D44-6D6B3A0B6761}" type="datetimeFigureOut">
               <a:rPr lang="zh-CN" altLang="en-US" smtClean="0"/>
               <a:t>2024/3/10</a:t>
             </a:fld>
@@ -463,7 +463,7 @@
           <p:cNvPr id="5" name="页脚占位符 4">
             <a:extLst>
               <a:ext uri="{FF2B5EF4-FFF2-40B4-BE49-F238E27FC236}">
-                <a16:creationId xmlns:a16="http://schemas.microsoft.com/office/drawing/2014/main" id="{5D6929B5-080B-6D5E-EB01-AFB7B8C91473}"/>
+                <a16:creationId xmlns:a16="http://schemas.microsoft.com/office/drawing/2014/main" id="{ED8D6B1A-6ADC-9AEB-17AA-49C22A81D293}"/>
               </a:ext>
             </a:extLst>
           </p:cNvPr>
@@ -488,7 +488,7 @@
           <p:cNvPr id="6" name="灯片编号占位符 5">
             <a:extLst>
               <a:ext uri="{FF2B5EF4-FFF2-40B4-BE49-F238E27FC236}">
-                <a16:creationId xmlns:a16="http://schemas.microsoft.com/office/drawing/2014/main" id="{39484155-CF99-181C-49E8-D0703F60C43A}"/>
+                <a16:creationId xmlns:a16="http://schemas.microsoft.com/office/drawing/2014/main" id="{8D0D7944-B6CD-04E5-2A7E-EC3FD29BB462}"/>
               </a:ext>
             </a:extLst>
           </p:cNvPr>
@@ -504,7 +504,7 @@
           <a:bodyPr/>
           <a:lstStyle/>
           <a:p>
-            <a:fld id="{05347555-3B71-486C-9CA1-C7D10AA64AFA}" type="slidenum">
+            <a:fld id="{050105EB-9BC7-418C-A1CB-BCBA18BAA1C9}" type="slidenum">
               <a:rPr lang="zh-CN" altLang="en-US" smtClean="0"/>
               <a:t>‹#›</a:t>
             </a:fld>
@@ -515,7 +515,7 @@
     </p:spTree>
     <p:extLst>
       <p:ext uri="{BB962C8B-B14F-4D97-AF65-F5344CB8AC3E}">
-        <p14:creationId xmlns:p14="http://schemas.microsoft.com/office/powerpoint/2010/main" val="3492469136"/>
+        <p14:creationId xmlns:p14="http://schemas.microsoft.com/office/powerpoint/2010/main" val="2015960305"/>
       </p:ext>
     </p:extLst>
   </p:cSld>
@@ -547,7 +547,7 @@
           <p:cNvPr id="2" name="竖排标题 1">
             <a:extLst>
               <a:ext uri="{FF2B5EF4-FFF2-40B4-BE49-F238E27FC236}">
-                <a16:creationId xmlns:a16="http://schemas.microsoft.com/office/drawing/2014/main" id="{CE47732D-0226-0C66-BD8F-E31FAB2535CD}"/>
+                <a16:creationId xmlns:a16="http://schemas.microsoft.com/office/drawing/2014/main" id="{DE6A5E1A-7507-A9E9-D8C5-2FDACF26A281}"/>
               </a:ext>
             </a:extLst>
           </p:cNvPr>
@@ -580,7 +580,7 @@
           <p:cNvPr id="3" name="竖排文字占位符 2">
             <a:extLst>
               <a:ext uri="{FF2B5EF4-FFF2-40B4-BE49-F238E27FC236}">
-                <a16:creationId xmlns:a16="http://schemas.microsoft.com/office/drawing/2014/main" id="{7B0461C0-570D-BF04-5B9C-06653A85D578}"/>
+                <a16:creationId xmlns:a16="http://schemas.microsoft.com/office/drawing/2014/main" id="{6A8EDBF3-6E22-6555-03C7-37B9CAA2F258}"/>
               </a:ext>
             </a:extLst>
           </p:cNvPr>
@@ -642,7 +642,7 @@
           <p:cNvPr id="4" name="日期占位符 3">
             <a:extLst>
               <a:ext uri="{FF2B5EF4-FFF2-40B4-BE49-F238E27FC236}">
-                <a16:creationId xmlns:a16="http://schemas.microsoft.com/office/drawing/2014/main" id="{88B9715F-FE0C-BACE-5733-66F0D4369B64}"/>
+                <a16:creationId xmlns:a16="http://schemas.microsoft.com/office/drawing/2014/main" id="{4DE19890-3CA3-C7DF-B29F-43EDCFB70FE2}"/>
               </a:ext>
             </a:extLst>
           </p:cNvPr>
@@ -658,7 +658,7 @@
           <a:bodyPr/>
           <a:lstStyle/>
           <a:p>
-            <a:fld id="{1DA74281-D6EF-4865-B73E-40E2CA04A29D}" type="datetimeFigureOut">
+            <a:fld id="{A7C90995-E86F-4C5E-9D44-6D6B3A0B6761}" type="datetimeFigureOut">
               <a:rPr lang="zh-CN" altLang="en-US" smtClean="0"/>
               <a:t>2024/3/10</a:t>
             </a:fld>
@@ -671,7 +671,7 @@
           <p:cNvPr id="5" name="页脚占位符 4">
             <a:extLst>
               <a:ext uri="{FF2B5EF4-FFF2-40B4-BE49-F238E27FC236}">
-                <a16:creationId xmlns:a16="http://schemas.microsoft.com/office/drawing/2014/main" id="{8EAC7B1B-0F30-89C2-9914-50B544B0076E}"/>
+                <a16:creationId xmlns:a16="http://schemas.microsoft.com/office/drawing/2014/main" id="{0C77C828-DC97-9DB6-8CCD-98AAF2A8A26F}"/>
               </a:ext>
             </a:extLst>
           </p:cNvPr>
@@ -696,7 +696,7 @@
           <p:cNvPr id="6" name="灯片编号占位符 5">
             <a:extLst>
               <a:ext uri="{FF2B5EF4-FFF2-40B4-BE49-F238E27FC236}">
-                <a16:creationId xmlns:a16="http://schemas.microsoft.com/office/drawing/2014/main" id="{26797E0E-869B-FE70-4E8E-119110C92959}"/>
+                <a16:creationId xmlns:a16="http://schemas.microsoft.com/office/drawing/2014/main" id="{42D8B2D6-BA42-BD14-B433-F2A28F0FE7E5}"/>
               </a:ext>
             </a:extLst>
           </p:cNvPr>
@@ -712,7 +712,7 @@
           <a:bodyPr/>
           <a:lstStyle/>
           <a:p>
-            <a:fld id="{05347555-3B71-486C-9CA1-C7D10AA64AFA}" type="slidenum">
+            <a:fld id="{050105EB-9BC7-418C-A1CB-BCBA18BAA1C9}" type="slidenum">
               <a:rPr lang="zh-CN" altLang="en-US" smtClean="0"/>
               <a:t>‹#›</a:t>
             </a:fld>
@@ -723,7 +723,7 @@
     </p:spTree>
     <p:extLst>
       <p:ext uri="{BB962C8B-B14F-4D97-AF65-F5344CB8AC3E}">
-        <p14:creationId xmlns:p14="http://schemas.microsoft.com/office/powerpoint/2010/main" val="955272120"/>
+        <p14:creationId xmlns:p14="http://schemas.microsoft.com/office/powerpoint/2010/main" val="3371793416"/>
       </p:ext>
     </p:extLst>
   </p:cSld>
@@ -755,7 +755,7 @@
           <p:cNvPr id="2" name="标题 1">
             <a:extLst>
               <a:ext uri="{FF2B5EF4-FFF2-40B4-BE49-F238E27FC236}">
-                <a16:creationId xmlns:a16="http://schemas.microsoft.com/office/drawing/2014/main" id="{71B69392-C5BD-D8C6-CD19-FDAD79C5B117}"/>
+                <a16:creationId xmlns:a16="http://schemas.microsoft.com/office/drawing/2014/main" id="{299E7DED-22AC-4FFB-29F4-F59DA748DE6A}"/>
               </a:ext>
             </a:extLst>
           </p:cNvPr>
@@ -783,7 +783,7 @@
           <p:cNvPr id="3" name="内容占位符 2">
             <a:extLst>
               <a:ext uri="{FF2B5EF4-FFF2-40B4-BE49-F238E27FC236}">
-                <a16:creationId xmlns:a16="http://schemas.microsoft.com/office/drawing/2014/main" id="{A2CFFB0B-AA99-8D3F-2E0A-C5D154D51F5F}"/>
+                <a16:creationId xmlns:a16="http://schemas.microsoft.com/office/drawing/2014/main" id="{80D00CFB-5CE2-ECD2-456A-866C152D5307}"/>
               </a:ext>
             </a:extLst>
           </p:cNvPr>
@@ -840,7 +840,7 @@
           <p:cNvPr id="4" name="日期占位符 3">
             <a:extLst>
               <a:ext uri="{FF2B5EF4-FFF2-40B4-BE49-F238E27FC236}">
-                <a16:creationId xmlns:a16="http://schemas.microsoft.com/office/drawing/2014/main" id="{6882B073-0112-D0A2-80CD-78414BA3C73B}"/>
+                <a16:creationId xmlns:a16="http://schemas.microsoft.com/office/drawing/2014/main" id="{DDC7D8EB-B09C-4AD8-10FD-D4B687BB3AB7}"/>
               </a:ext>
             </a:extLst>
           </p:cNvPr>
@@ -856,7 +856,7 @@
           <a:bodyPr/>
           <a:lstStyle/>
           <a:p>
-            <a:fld id="{1DA74281-D6EF-4865-B73E-40E2CA04A29D}" type="datetimeFigureOut">
+            <a:fld id="{A7C90995-E86F-4C5E-9D44-6D6B3A0B6761}" type="datetimeFigureOut">
               <a:rPr lang="zh-CN" altLang="en-US" smtClean="0"/>
               <a:t>2024/3/10</a:t>
             </a:fld>
@@ -869,7 +869,7 @@
           <p:cNvPr id="5" name="页脚占位符 4">
             <a:extLst>
               <a:ext uri="{FF2B5EF4-FFF2-40B4-BE49-F238E27FC236}">
-                <a16:creationId xmlns:a16="http://schemas.microsoft.com/office/drawing/2014/main" id="{9C59DE32-FBFC-2DEE-05B0-CF72FACCABA3}"/>
+                <a16:creationId xmlns:a16="http://schemas.microsoft.com/office/drawing/2014/main" id="{F25D56AB-587D-41FD-BFEF-5D7896E4567B}"/>
               </a:ext>
             </a:extLst>
           </p:cNvPr>
@@ -894,7 +894,7 @@
           <p:cNvPr id="6" name="灯片编号占位符 5">
             <a:extLst>
               <a:ext uri="{FF2B5EF4-FFF2-40B4-BE49-F238E27FC236}">
-                <a16:creationId xmlns:a16="http://schemas.microsoft.com/office/drawing/2014/main" id="{6E87FF2A-DD41-7E1C-7EFC-7D65DC135730}"/>
+                <a16:creationId xmlns:a16="http://schemas.microsoft.com/office/drawing/2014/main" id="{FBAA0C7F-41B9-47C2-DEA5-D75E22F50B56}"/>
               </a:ext>
             </a:extLst>
           </p:cNvPr>
@@ -910,7 +910,7 @@
           <a:bodyPr/>
           <a:lstStyle/>
           <a:p>
-            <a:fld id="{05347555-3B71-486C-9CA1-C7D10AA64AFA}" type="slidenum">
+            <a:fld id="{050105EB-9BC7-418C-A1CB-BCBA18BAA1C9}" type="slidenum">
               <a:rPr lang="zh-CN" altLang="en-US" smtClean="0"/>
               <a:t>‹#›</a:t>
             </a:fld>
@@ -921,7 +921,7 @@
     </p:spTree>
     <p:extLst>
       <p:ext uri="{BB962C8B-B14F-4D97-AF65-F5344CB8AC3E}">
-        <p14:creationId xmlns:p14="http://schemas.microsoft.com/office/powerpoint/2010/main" val="1192412465"/>
+        <p14:creationId xmlns:p14="http://schemas.microsoft.com/office/powerpoint/2010/main" val="848243720"/>
       </p:ext>
     </p:extLst>
   </p:cSld>
@@ -953,7 +953,7 @@
           <p:cNvPr id="2" name="标题 1">
             <a:extLst>
               <a:ext uri="{FF2B5EF4-FFF2-40B4-BE49-F238E27FC236}">
-                <a16:creationId xmlns:a16="http://schemas.microsoft.com/office/drawing/2014/main" id="{E2BA6484-BB3F-E99C-74BB-2C253F1C9B7B}"/>
+                <a16:creationId xmlns:a16="http://schemas.microsoft.com/office/drawing/2014/main" id="{8178DB67-1F2A-6939-FFCB-008476F9D7F9}"/>
               </a:ext>
             </a:extLst>
           </p:cNvPr>
@@ -990,7 +990,7 @@
           <p:cNvPr id="3" name="文本占位符 2">
             <a:extLst>
               <a:ext uri="{FF2B5EF4-FFF2-40B4-BE49-F238E27FC236}">
-                <a16:creationId xmlns:a16="http://schemas.microsoft.com/office/drawing/2014/main" id="{6475ECE7-7B68-30BC-BBA5-951B8390A6DC}"/>
+                <a16:creationId xmlns:a16="http://schemas.microsoft.com/office/drawing/2014/main" id="{1DC77FBD-7814-ECCF-BABA-A628754A64A7}"/>
               </a:ext>
             </a:extLst>
           </p:cNvPr>
@@ -1115,7 +1115,7 @@
           <p:cNvPr id="4" name="日期占位符 3">
             <a:extLst>
               <a:ext uri="{FF2B5EF4-FFF2-40B4-BE49-F238E27FC236}">
-                <a16:creationId xmlns:a16="http://schemas.microsoft.com/office/drawing/2014/main" id="{42E049A8-46BC-CED9-A0EF-7C149FB7A8C0}"/>
+                <a16:creationId xmlns:a16="http://schemas.microsoft.com/office/drawing/2014/main" id="{DB571DD5-C83C-38BF-112C-F70F861DC46E}"/>
               </a:ext>
             </a:extLst>
           </p:cNvPr>
@@ -1131,7 +1131,7 @@
           <a:bodyPr/>
           <a:lstStyle/>
           <a:p>
-            <a:fld id="{1DA74281-D6EF-4865-B73E-40E2CA04A29D}" type="datetimeFigureOut">
+            <a:fld id="{A7C90995-E86F-4C5E-9D44-6D6B3A0B6761}" type="datetimeFigureOut">
               <a:rPr lang="zh-CN" altLang="en-US" smtClean="0"/>
               <a:t>2024/3/10</a:t>
             </a:fld>
@@ -1144,7 +1144,7 @@
           <p:cNvPr id="5" name="页脚占位符 4">
             <a:extLst>
               <a:ext uri="{FF2B5EF4-FFF2-40B4-BE49-F238E27FC236}">
-                <a16:creationId xmlns:a16="http://schemas.microsoft.com/office/drawing/2014/main" id="{2A85122F-83C2-9F61-EF54-CEA9B008D2AF}"/>
+                <a16:creationId xmlns:a16="http://schemas.microsoft.com/office/drawing/2014/main" id="{67836896-5821-2E89-000B-06BFA99FBCFC}"/>
               </a:ext>
             </a:extLst>
           </p:cNvPr>
@@ -1169,7 +1169,7 @@
           <p:cNvPr id="6" name="灯片编号占位符 5">
             <a:extLst>
               <a:ext uri="{FF2B5EF4-FFF2-40B4-BE49-F238E27FC236}">
-                <a16:creationId xmlns:a16="http://schemas.microsoft.com/office/drawing/2014/main" id="{4BE08992-CEB6-5EEE-00D1-5BFD8667AA0B}"/>
+                <a16:creationId xmlns:a16="http://schemas.microsoft.com/office/drawing/2014/main" id="{FC436164-7141-DCA5-CAC6-E63214CF6095}"/>
               </a:ext>
             </a:extLst>
           </p:cNvPr>
@@ -1185,7 +1185,7 @@
           <a:bodyPr/>
           <a:lstStyle/>
           <a:p>
-            <a:fld id="{05347555-3B71-486C-9CA1-C7D10AA64AFA}" type="slidenum">
+            <a:fld id="{050105EB-9BC7-418C-A1CB-BCBA18BAA1C9}" type="slidenum">
               <a:rPr lang="zh-CN" altLang="en-US" smtClean="0"/>
               <a:t>‹#›</a:t>
             </a:fld>
@@ -1196,7 +1196,7 @@
     </p:spTree>
     <p:extLst>
       <p:ext uri="{BB962C8B-B14F-4D97-AF65-F5344CB8AC3E}">
-        <p14:creationId xmlns:p14="http://schemas.microsoft.com/office/powerpoint/2010/main" val="2176232975"/>
+        <p14:creationId xmlns:p14="http://schemas.microsoft.com/office/powerpoint/2010/main" val="319144521"/>
       </p:ext>
     </p:extLst>
   </p:cSld>
@@ -1228,7 +1228,7 @@
           <p:cNvPr id="2" name="标题 1">
             <a:extLst>
               <a:ext uri="{FF2B5EF4-FFF2-40B4-BE49-F238E27FC236}">
-                <a16:creationId xmlns:a16="http://schemas.microsoft.com/office/drawing/2014/main" id="{72CA8AE6-2AEA-9845-71AD-3ED2FCBE2BB2}"/>
+                <a16:creationId xmlns:a16="http://schemas.microsoft.com/office/drawing/2014/main" id="{7694D510-ED60-D0AD-FA27-2B1BBA148638}"/>
               </a:ext>
             </a:extLst>
           </p:cNvPr>
@@ -1256,7 +1256,7 @@
           <p:cNvPr id="3" name="内容占位符 2">
             <a:extLst>
               <a:ext uri="{FF2B5EF4-FFF2-40B4-BE49-F238E27FC236}">
-                <a16:creationId xmlns:a16="http://schemas.microsoft.com/office/drawing/2014/main" id="{366D5026-CEAE-2501-71D7-978FF0A5156B}"/>
+                <a16:creationId xmlns:a16="http://schemas.microsoft.com/office/drawing/2014/main" id="{0FCE3BE0-B994-585E-E934-E1A92ECEE61C}"/>
               </a:ext>
             </a:extLst>
           </p:cNvPr>
@@ -1318,7 +1318,7 @@
           <p:cNvPr id="4" name="内容占位符 3">
             <a:extLst>
               <a:ext uri="{FF2B5EF4-FFF2-40B4-BE49-F238E27FC236}">
-                <a16:creationId xmlns:a16="http://schemas.microsoft.com/office/drawing/2014/main" id="{67720978-EFD3-B2FC-72F1-91110B92ED90}"/>
+                <a16:creationId xmlns:a16="http://schemas.microsoft.com/office/drawing/2014/main" id="{793633CF-5460-C8F7-FD7E-65373F703515}"/>
               </a:ext>
             </a:extLst>
           </p:cNvPr>
@@ -1380,7 +1380,7 @@
           <p:cNvPr id="5" name="日期占位符 4">
             <a:extLst>
               <a:ext uri="{FF2B5EF4-FFF2-40B4-BE49-F238E27FC236}">
-                <a16:creationId xmlns:a16="http://schemas.microsoft.com/office/drawing/2014/main" id="{40CC7ADC-3934-4346-A88E-D6F93C61425A}"/>
+                <a16:creationId xmlns:a16="http://schemas.microsoft.com/office/drawing/2014/main" id="{2268D902-CA66-35F5-D767-724B48E58456}"/>
               </a:ext>
             </a:extLst>
           </p:cNvPr>
@@ -1396,7 +1396,7 @@
           <a:bodyPr/>
           <a:lstStyle/>
           <a:p>
-            <a:fld id="{1DA74281-D6EF-4865-B73E-40E2CA04A29D}" type="datetimeFigureOut">
+            <a:fld id="{A7C90995-E86F-4C5E-9D44-6D6B3A0B6761}" type="datetimeFigureOut">
               <a:rPr lang="zh-CN" altLang="en-US" smtClean="0"/>
               <a:t>2024/3/10</a:t>
             </a:fld>
@@ -1409,7 +1409,7 @@
           <p:cNvPr id="6" name="页脚占位符 5">
             <a:extLst>
               <a:ext uri="{FF2B5EF4-FFF2-40B4-BE49-F238E27FC236}">
-                <a16:creationId xmlns:a16="http://schemas.microsoft.com/office/drawing/2014/main" id="{4297FFBB-C643-785B-EB4C-36D64873A78F}"/>
+                <a16:creationId xmlns:a16="http://schemas.microsoft.com/office/drawing/2014/main" id="{6C8FD083-DE5E-F4C5-A7F9-532A6B0BA69C}"/>
               </a:ext>
             </a:extLst>
           </p:cNvPr>
@@ -1434,7 +1434,7 @@
           <p:cNvPr id="7" name="灯片编号占位符 6">
             <a:extLst>
               <a:ext uri="{FF2B5EF4-FFF2-40B4-BE49-F238E27FC236}">
-                <a16:creationId xmlns:a16="http://schemas.microsoft.com/office/drawing/2014/main" id="{DB2712D4-0006-7CC5-3400-6902C9DAB44B}"/>
+                <a16:creationId xmlns:a16="http://schemas.microsoft.com/office/drawing/2014/main" id="{4728CDED-602C-CDB4-09F7-128D90E3DFD5}"/>
               </a:ext>
             </a:extLst>
           </p:cNvPr>
@@ -1450,7 +1450,7 @@
           <a:bodyPr/>
           <a:lstStyle/>
           <a:p>
-            <a:fld id="{05347555-3B71-486C-9CA1-C7D10AA64AFA}" type="slidenum">
+            <a:fld id="{050105EB-9BC7-418C-A1CB-BCBA18BAA1C9}" type="slidenum">
               <a:rPr lang="zh-CN" altLang="en-US" smtClean="0"/>
               <a:t>‹#›</a:t>
             </a:fld>
@@ -1461,7 +1461,7 @@
     </p:spTree>
     <p:extLst>
       <p:ext uri="{BB962C8B-B14F-4D97-AF65-F5344CB8AC3E}">
-        <p14:creationId xmlns:p14="http://schemas.microsoft.com/office/powerpoint/2010/main" val="4159390527"/>
+        <p14:creationId xmlns:p14="http://schemas.microsoft.com/office/powerpoint/2010/main" val="1442176084"/>
       </p:ext>
     </p:extLst>
   </p:cSld>
@@ -1493,7 +1493,7 @@
           <p:cNvPr id="2" name="标题 1">
             <a:extLst>
               <a:ext uri="{FF2B5EF4-FFF2-40B4-BE49-F238E27FC236}">
-                <a16:creationId xmlns:a16="http://schemas.microsoft.com/office/drawing/2014/main" id="{98EE5848-ED9E-F261-2BFD-5756D061395F}"/>
+                <a16:creationId xmlns:a16="http://schemas.microsoft.com/office/drawing/2014/main" id="{6B401079-7E00-ABD8-2213-1E840CC9FCDC}"/>
               </a:ext>
             </a:extLst>
           </p:cNvPr>
@@ -1526,7 +1526,7 @@
           <p:cNvPr id="3" name="文本占位符 2">
             <a:extLst>
               <a:ext uri="{FF2B5EF4-FFF2-40B4-BE49-F238E27FC236}">
-                <a16:creationId xmlns:a16="http://schemas.microsoft.com/office/drawing/2014/main" id="{28CF9BE8-E302-F804-82C3-5709CF38E631}"/>
+                <a16:creationId xmlns:a16="http://schemas.microsoft.com/office/drawing/2014/main" id="{309F2755-5F52-0F3E-6853-D0DD3DAEDA88}"/>
               </a:ext>
             </a:extLst>
           </p:cNvPr>
@@ -1597,7 +1597,7 @@
           <p:cNvPr id="4" name="内容占位符 3">
             <a:extLst>
               <a:ext uri="{FF2B5EF4-FFF2-40B4-BE49-F238E27FC236}">
-                <a16:creationId xmlns:a16="http://schemas.microsoft.com/office/drawing/2014/main" id="{CD8C2F3A-1792-547D-D1DD-9AB682CF7FE7}"/>
+                <a16:creationId xmlns:a16="http://schemas.microsoft.com/office/drawing/2014/main" id="{1D28D2C8-D4AB-B98A-2C9E-8980778C7674}"/>
               </a:ext>
             </a:extLst>
           </p:cNvPr>
@@ -1659,7 +1659,7 @@
           <p:cNvPr id="5" name="文本占位符 4">
             <a:extLst>
               <a:ext uri="{FF2B5EF4-FFF2-40B4-BE49-F238E27FC236}">
-                <a16:creationId xmlns:a16="http://schemas.microsoft.com/office/drawing/2014/main" id="{B06CDD40-FF00-198F-9966-8D46F90DDFBD}"/>
+                <a16:creationId xmlns:a16="http://schemas.microsoft.com/office/drawing/2014/main" id="{E6F338E6-81C1-5382-EC33-6A92478702D3}"/>
               </a:ext>
             </a:extLst>
           </p:cNvPr>
@@ -1730,7 +1730,7 @@
           <p:cNvPr id="6" name="内容占位符 5">
             <a:extLst>
               <a:ext uri="{FF2B5EF4-FFF2-40B4-BE49-F238E27FC236}">
-                <a16:creationId xmlns:a16="http://schemas.microsoft.com/office/drawing/2014/main" id="{C35B7501-A549-7D53-1095-4041B9E2CA5B}"/>
+                <a16:creationId xmlns:a16="http://schemas.microsoft.com/office/drawing/2014/main" id="{619AE4B2-8811-44D1-4752-AC94EC8C5447}"/>
               </a:ext>
             </a:extLst>
           </p:cNvPr>
@@ -1792,7 +1792,7 @@
           <p:cNvPr id="7" name="日期占位符 6">
             <a:extLst>
               <a:ext uri="{FF2B5EF4-FFF2-40B4-BE49-F238E27FC236}">
-                <a16:creationId xmlns:a16="http://schemas.microsoft.com/office/drawing/2014/main" id="{D059392D-1EDF-8BB4-40BC-1628C726613F}"/>
+                <a16:creationId xmlns:a16="http://schemas.microsoft.com/office/drawing/2014/main" id="{0D88469C-6EF9-1415-302D-0FBC0FF16529}"/>
               </a:ext>
             </a:extLst>
           </p:cNvPr>
@@ -1808,7 +1808,7 @@
           <a:bodyPr/>
           <a:lstStyle/>
           <a:p>
-            <a:fld id="{1DA74281-D6EF-4865-B73E-40E2CA04A29D}" type="datetimeFigureOut">
+            <a:fld id="{A7C90995-E86F-4C5E-9D44-6D6B3A0B6761}" type="datetimeFigureOut">
               <a:rPr lang="zh-CN" altLang="en-US" smtClean="0"/>
               <a:t>2024/3/10</a:t>
             </a:fld>
@@ -1821,7 +1821,7 @@
           <p:cNvPr id="8" name="页脚占位符 7">
             <a:extLst>
               <a:ext uri="{FF2B5EF4-FFF2-40B4-BE49-F238E27FC236}">
-                <a16:creationId xmlns:a16="http://schemas.microsoft.com/office/drawing/2014/main" id="{D08D1CF0-7326-44AB-6B12-EE0D2599EED1}"/>
+                <a16:creationId xmlns:a16="http://schemas.microsoft.com/office/drawing/2014/main" id="{95761FAA-DA69-E091-100B-4E280C2E653D}"/>
               </a:ext>
             </a:extLst>
           </p:cNvPr>
@@ -1846,7 +1846,7 @@
           <p:cNvPr id="9" name="灯片编号占位符 8">
             <a:extLst>
               <a:ext uri="{FF2B5EF4-FFF2-40B4-BE49-F238E27FC236}">
-                <a16:creationId xmlns:a16="http://schemas.microsoft.com/office/drawing/2014/main" id="{1A465428-3195-903E-7095-D692C431B849}"/>
+                <a16:creationId xmlns:a16="http://schemas.microsoft.com/office/drawing/2014/main" id="{2E7A8BD9-1C21-A13C-3E76-59D6FE3FF31F}"/>
               </a:ext>
             </a:extLst>
           </p:cNvPr>
@@ -1862,7 +1862,7 @@
           <a:bodyPr/>
           <a:lstStyle/>
           <a:p>
-            <a:fld id="{05347555-3B71-486C-9CA1-C7D10AA64AFA}" type="slidenum">
+            <a:fld id="{050105EB-9BC7-418C-A1CB-BCBA18BAA1C9}" type="slidenum">
               <a:rPr lang="zh-CN" altLang="en-US" smtClean="0"/>
               <a:t>‹#›</a:t>
             </a:fld>
@@ -1873,7 +1873,7 @@
     </p:spTree>
     <p:extLst>
       <p:ext uri="{BB962C8B-B14F-4D97-AF65-F5344CB8AC3E}">
-        <p14:creationId xmlns:p14="http://schemas.microsoft.com/office/powerpoint/2010/main" val="1806878505"/>
+        <p14:creationId xmlns:p14="http://schemas.microsoft.com/office/powerpoint/2010/main" val="4091687818"/>
       </p:ext>
     </p:extLst>
   </p:cSld>
@@ -1905,7 +1905,7 @@
           <p:cNvPr id="2" name="标题 1">
             <a:extLst>
               <a:ext uri="{FF2B5EF4-FFF2-40B4-BE49-F238E27FC236}">
-                <a16:creationId xmlns:a16="http://schemas.microsoft.com/office/drawing/2014/main" id="{3F7B4E1F-EC8C-3665-B138-C2D4F68DC029}"/>
+                <a16:creationId xmlns:a16="http://schemas.microsoft.com/office/drawing/2014/main" id="{61FD1CA3-43B2-A869-A3CD-4533BCA0D232}"/>
               </a:ext>
             </a:extLst>
           </p:cNvPr>
@@ -1933,7 +1933,7 @@
           <p:cNvPr id="3" name="日期占位符 2">
             <a:extLst>
               <a:ext uri="{FF2B5EF4-FFF2-40B4-BE49-F238E27FC236}">
-                <a16:creationId xmlns:a16="http://schemas.microsoft.com/office/drawing/2014/main" id="{BE2BFF8D-F69D-D679-5817-0A3166DD40B1}"/>
+                <a16:creationId xmlns:a16="http://schemas.microsoft.com/office/drawing/2014/main" id="{DB6BBEB4-D3EE-8F15-66C1-AB307E3E4878}"/>
               </a:ext>
             </a:extLst>
           </p:cNvPr>
@@ -1949,7 +1949,7 @@
           <a:bodyPr/>
           <a:lstStyle/>
           <a:p>
-            <a:fld id="{1DA74281-D6EF-4865-B73E-40E2CA04A29D}" type="datetimeFigureOut">
+            <a:fld id="{A7C90995-E86F-4C5E-9D44-6D6B3A0B6761}" type="datetimeFigureOut">
               <a:rPr lang="zh-CN" altLang="en-US" smtClean="0"/>
               <a:t>2024/3/10</a:t>
             </a:fld>
@@ -1962,7 +1962,7 @@
           <p:cNvPr id="4" name="页脚占位符 3">
             <a:extLst>
               <a:ext uri="{FF2B5EF4-FFF2-40B4-BE49-F238E27FC236}">
-                <a16:creationId xmlns:a16="http://schemas.microsoft.com/office/drawing/2014/main" id="{9ADBD75D-7DAE-253E-9904-AFA46487843E}"/>
+                <a16:creationId xmlns:a16="http://schemas.microsoft.com/office/drawing/2014/main" id="{A64FF9D9-94D6-FE21-DD8D-355BFDD1E1C6}"/>
               </a:ext>
             </a:extLst>
           </p:cNvPr>
@@ -1987,7 +1987,7 @@
           <p:cNvPr id="5" name="灯片编号占位符 4">
             <a:extLst>
               <a:ext uri="{FF2B5EF4-FFF2-40B4-BE49-F238E27FC236}">
-                <a16:creationId xmlns:a16="http://schemas.microsoft.com/office/drawing/2014/main" id="{E4D0B4D7-A17B-1126-494D-62FAD963C01F}"/>
+                <a16:creationId xmlns:a16="http://schemas.microsoft.com/office/drawing/2014/main" id="{B4880D7D-6815-49C4-ADD0-8F494DF21D7D}"/>
               </a:ext>
             </a:extLst>
           </p:cNvPr>
@@ -2003,7 +2003,7 @@
           <a:bodyPr/>
           <a:lstStyle/>
           <a:p>
-            <a:fld id="{05347555-3B71-486C-9CA1-C7D10AA64AFA}" type="slidenum">
+            <a:fld id="{050105EB-9BC7-418C-A1CB-BCBA18BAA1C9}" type="slidenum">
               <a:rPr lang="zh-CN" altLang="en-US" smtClean="0"/>
               <a:t>‹#›</a:t>
             </a:fld>
@@ -2014,7 +2014,7 @@
     </p:spTree>
     <p:extLst>
       <p:ext uri="{BB962C8B-B14F-4D97-AF65-F5344CB8AC3E}">
-        <p14:creationId xmlns:p14="http://schemas.microsoft.com/office/powerpoint/2010/main" val="2928161685"/>
+        <p14:creationId xmlns:p14="http://schemas.microsoft.com/office/powerpoint/2010/main" val="1275635983"/>
       </p:ext>
     </p:extLst>
   </p:cSld>
@@ -2046,7 +2046,7 @@
           <p:cNvPr id="2" name="日期占位符 1">
             <a:extLst>
               <a:ext uri="{FF2B5EF4-FFF2-40B4-BE49-F238E27FC236}">
-                <a16:creationId xmlns:a16="http://schemas.microsoft.com/office/drawing/2014/main" id="{5D4C87D3-822D-2F82-EA00-DD2D7569D36C}"/>
+                <a16:creationId xmlns:a16="http://schemas.microsoft.com/office/drawing/2014/main" id="{DE539E30-5AA8-21E5-4DB5-16DDE4DE0FF4}"/>
               </a:ext>
             </a:extLst>
           </p:cNvPr>
@@ -2062,7 +2062,7 @@
           <a:bodyPr/>
           <a:lstStyle/>
           <a:p>
-            <a:fld id="{1DA74281-D6EF-4865-B73E-40E2CA04A29D}" type="datetimeFigureOut">
+            <a:fld id="{A7C90995-E86F-4C5E-9D44-6D6B3A0B6761}" type="datetimeFigureOut">
               <a:rPr lang="zh-CN" altLang="en-US" smtClean="0"/>
               <a:t>2024/3/10</a:t>
             </a:fld>
@@ -2075,7 +2075,7 @@
           <p:cNvPr id="3" name="页脚占位符 2">
             <a:extLst>
               <a:ext uri="{FF2B5EF4-FFF2-40B4-BE49-F238E27FC236}">
-                <a16:creationId xmlns:a16="http://schemas.microsoft.com/office/drawing/2014/main" id="{5F8D38A5-20DC-AF39-DF68-43B53EA191FA}"/>
+                <a16:creationId xmlns:a16="http://schemas.microsoft.com/office/drawing/2014/main" id="{EE6F6A03-CDA3-BD9F-B136-44A0DCA0B34A}"/>
               </a:ext>
             </a:extLst>
           </p:cNvPr>
@@ -2100,7 +2100,7 @@
           <p:cNvPr id="4" name="灯片编号占位符 3">
             <a:extLst>
               <a:ext uri="{FF2B5EF4-FFF2-40B4-BE49-F238E27FC236}">
-                <a16:creationId xmlns:a16="http://schemas.microsoft.com/office/drawing/2014/main" id="{C546238B-8B4D-E25D-E23B-915E49F1D53A}"/>
+                <a16:creationId xmlns:a16="http://schemas.microsoft.com/office/drawing/2014/main" id="{094F8B43-483A-C43A-5C84-C946BB82A00A}"/>
               </a:ext>
             </a:extLst>
           </p:cNvPr>
@@ -2116,7 +2116,7 @@
           <a:bodyPr/>
           <a:lstStyle/>
           <a:p>
-            <a:fld id="{05347555-3B71-486C-9CA1-C7D10AA64AFA}" type="slidenum">
+            <a:fld id="{050105EB-9BC7-418C-A1CB-BCBA18BAA1C9}" type="slidenum">
               <a:rPr lang="zh-CN" altLang="en-US" smtClean="0"/>
               <a:t>‹#›</a:t>
             </a:fld>
@@ -2127,7 +2127,7 @@
     </p:spTree>
     <p:extLst>
       <p:ext uri="{BB962C8B-B14F-4D97-AF65-F5344CB8AC3E}">
-        <p14:creationId xmlns:p14="http://schemas.microsoft.com/office/powerpoint/2010/main" val="937433621"/>
+        <p14:creationId xmlns:p14="http://schemas.microsoft.com/office/powerpoint/2010/main" val="2280303403"/>
       </p:ext>
     </p:extLst>
   </p:cSld>
@@ -2159,7 +2159,7 @@
           <p:cNvPr id="2" name="标题 1">
             <a:extLst>
               <a:ext uri="{FF2B5EF4-FFF2-40B4-BE49-F238E27FC236}">
-                <a16:creationId xmlns:a16="http://schemas.microsoft.com/office/drawing/2014/main" id="{611D277C-AF25-CA3B-3EFC-A42DCCD28C9D}"/>
+                <a16:creationId xmlns:a16="http://schemas.microsoft.com/office/drawing/2014/main" id="{0049454C-8B50-A084-5132-583971637186}"/>
               </a:ext>
             </a:extLst>
           </p:cNvPr>
@@ -2196,7 +2196,7 @@
           <p:cNvPr id="3" name="内容占位符 2">
             <a:extLst>
               <a:ext uri="{FF2B5EF4-FFF2-40B4-BE49-F238E27FC236}">
-                <a16:creationId xmlns:a16="http://schemas.microsoft.com/office/drawing/2014/main" id="{0F2A5C34-0DDE-C42B-48A6-9B054FEF0678}"/>
+                <a16:creationId xmlns:a16="http://schemas.microsoft.com/office/drawing/2014/main" id="{7D7158B2-2212-4D54-FC29-3CAE040470A4}"/>
               </a:ext>
             </a:extLst>
           </p:cNvPr>
@@ -2286,7 +2286,7 @@
           <p:cNvPr id="4" name="文本占位符 3">
             <a:extLst>
               <a:ext uri="{FF2B5EF4-FFF2-40B4-BE49-F238E27FC236}">
-                <a16:creationId xmlns:a16="http://schemas.microsoft.com/office/drawing/2014/main" id="{7EE4A766-1A7D-2D97-4F7B-3ABD3A631E92}"/>
+                <a16:creationId xmlns:a16="http://schemas.microsoft.com/office/drawing/2014/main" id="{8230A2D1-6FD3-9DD7-7337-60F879CD0E68}"/>
               </a:ext>
             </a:extLst>
           </p:cNvPr>
@@ -2357,7 +2357,7 @@
           <p:cNvPr id="5" name="日期占位符 4">
             <a:extLst>
               <a:ext uri="{FF2B5EF4-FFF2-40B4-BE49-F238E27FC236}">
-                <a16:creationId xmlns:a16="http://schemas.microsoft.com/office/drawing/2014/main" id="{A09EAC29-26C3-4EE1-7656-5069C2F12301}"/>
+                <a16:creationId xmlns:a16="http://schemas.microsoft.com/office/drawing/2014/main" id="{90D57F6E-8A17-1D4C-BD81-CC4A50C9DC60}"/>
               </a:ext>
             </a:extLst>
           </p:cNvPr>
@@ -2373,7 +2373,7 @@
           <a:bodyPr/>
           <a:lstStyle/>
           <a:p>
-            <a:fld id="{1DA74281-D6EF-4865-B73E-40E2CA04A29D}" type="datetimeFigureOut">
+            <a:fld id="{A7C90995-E86F-4C5E-9D44-6D6B3A0B6761}" type="datetimeFigureOut">
               <a:rPr lang="zh-CN" altLang="en-US" smtClean="0"/>
               <a:t>2024/3/10</a:t>
             </a:fld>
@@ -2386,7 +2386,7 @@
           <p:cNvPr id="6" name="页脚占位符 5">
             <a:extLst>
               <a:ext uri="{FF2B5EF4-FFF2-40B4-BE49-F238E27FC236}">
-                <a16:creationId xmlns:a16="http://schemas.microsoft.com/office/drawing/2014/main" id="{28E7A00C-F90B-6677-D078-10FE9649B6A0}"/>
+                <a16:creationId xmlns:a16="http://schemas.microsoft.com/office/drawing/2014/main" id="{6A490360-9276-AA5C-7CAF-477CF19E7A1E}"/>
               </a:ext>
             </a:extLst>
           </p:cNvPr>
@@ -2411,7 +2411,7 @@
           <p:cNvPr id="7" name="灯片编号占位符 6">
             <a:extLst>
               <a:ext uri="{FF2B5EF4-FFF2-40B4-BE49-F238E27FC236}">
-                <a16:creationId xmlns:a16="http://schemas.microsoft.com/office/drawing/2014/main" id="{F0D41A2D-7C87-E482-33F7-BC17B2978773}"/>
+                <a16:creationId xmlns:a16="http://schemas.microsoft.com/office/drawing/2014/main" id="{A59D4964-CE51-B8DD-78FE-C8D99FC115A7}"/>
               </a:ext>
             </a:extLst>
           </p:cNvPr>
@@ -2427,7 +2427,7 @@
           <a:bodyPr/>
           <a:lstStyle/>
           <a:p>
-            <a:fld id="{05347555-3B71-486C-9CA1-C7D10AA64AFA}" type="slidenum">
+            <a:fld id="{050105EB-9BC7-418C-A1CB-BCBA18BAA1C9}" type="slidenum">
               <a:rPr lang="zh-CN" altLang="en-US" smtClean="0"/>
               <a:t>‹#›</a:t>
             </a:fld>
@@ -2438,7 +2438,7 @@
     </p:spTree>
     <p:extLst>
       <p:ext uri="{BB962C8B-B14F-4D97-AF65-F5344CB8AC3E}">
-        <p14:creationId xmlns:p14="http://schemas.microsoft.com/office/powerpoint/2010/main" val="1711552746"/>
+        <p14:creationId xmlns:p14="http://schemas.microsoft.com/office/powerpoint/2010/main" val="629336150"/>
       </p:ext>
     </p:extLst>
   </p:cSld>
@@ -2470,7 +2470,7 @@
           <p:cNvPr id="2" name="标题 1">
             <a:extLst>
               <a:ext uri="{FF2B5EF4-FFF2-40B4-BE49-F238E27FC236}">
-                <a16:creationId xmlns:a16="http://schemas.microsoft.com/office/drawing/2014/main" id="{F96384C6-F034-1FB0-EC09-33AB2126F25A}"/>
+                <a16:creationId xmlns:a16="http://schemas.microsoft.com/office/drawing/2014/main" id="{9DD6A175-C710-6D7C-5C08-C9DE375845D9}"/>
               </a:ext>
             </a:extLst>
           </p:cNvPr>
@@ -2507,7 +2507,7 @@
           <p:cNvPr id="3" name="图片占位符 2">
             <a:extLst>
               <a:ext uri="{FF2B5EF4-FFF2-40B4-BE49-F238E27FC236}">
-                <a16:creationId xmlns:a16="http://schemas.microsoft.com/office/drawing/2014/main" id="{DCEDF24D-64D5-9F14-253C-81D2AC2C2426}"/>
+                <a16:creationId xmlns:a16="http://schemas.microsoft.com/office/drawing/2014/main" id="{74139E6F-0937-87B7-2D06-33DF676464CC}"/>
               </a:ext>
             </a:extLst>
           </p:cNvPr>
@@ -2574,7 +2574,7 @@
           <p:cNvPr id="4" name="文本占位符 3">
             <a:extLst>
               <a:ext uri="{FF2B5EF4-FFF2-40B4-BE49-F238E27FC236}">
-                <a16:creationId xmlns:a16="http://schemas.microsoft.com/office/drawing/2014/main" id="{977DAFC2-52DC-2028-E206-A68C921D2A92}"/>
+                <a16:creationId xmlns:a16="http://schemas.microsoft.com/office/drawing/2014/main" id="{4B4A3D65-E130-BAC5-9EA4-5AA5820F3D81}"/>
               </a:ext>
             </a:extLst>
           </p:cNvPr>
@@ -2645,7 +2645,7 @@
           <p:cNvPr id="5" name="日期占位符 4">
             <a:extLst>
               <a:ext uri="{FF2B5EF4-FFF2-40B4-BE49-F238E27FC236}">
-                <a16:creationId xmlns:a16="http://schemas.microsoft.com/office/drawing/2014/main" id="{121458CF-185A-853C-4697-B71E8AE4D883}"/>
+                <a16:creationId xmlns:a16="http://schemas.microsoft.com/office/drawing/2014/main" id="{56920B5D-2C9C-1968-F683-300145D9C739}"/>
               </a:ext>
             </a:extLst>
           </p:cNvPr>
@@ -2661,7 +2661,7 @@
           <a:bodyPr/>
           <a:lstStyle/>
           <a:p>
-            <a:fld id="{1DA74281-D6EF-4865-B73E-40E2CA04A29D}" type="datetimeFigureOut">
+            <a:fld id="{A7C90995-E86F-4C5E-9D44-6D6B3A0B6761}" type="datetimeFigureOut">
               <a:rPr lang="zh-CN" altLang="en-US" smtClean="0"/>
               <a:t>2024/3/10</a:t>
             </a:fld>
@@ -2674,7 +2674,7 @@
           <p:cNvPr id="6" name="页脚占位符 5">
             <a:extLst>
               <a:ext uri="{FF2B5EF4-FFF2-40B4-BE49-F238E27FC236}">
-                <a16:creationId xmlns:a16="http://schemas.microsoft.com/office/drawing/2014/main" id="{47506994-70AE-3DC8-77F0-EB1ADC2614E4}"/>
+                <a16:creationId xmlns:a16="http://schemas.microsoft.com/office/drawing/2014/main" id="{F3891D1E-FDBA-2A2E-F362-039EFF156679}"/>
               </a:ext>
             </a:extLst>
           </p:cNvPr>
@@ -2699,7 +2699,7 @@
           <p:cNvPr id="7" name="灯片编号占位符 6">
             <a:extLst>
               <a:ext uri="{FF2B5EF4-FFF2-40B4-BE49-F238E27FC236}">
-                <a16:creationId xmlns:a16="http://schemas.microsoft.com/office/drawing/2014/main" id="{2C0C8A99-574E-E1FC-402B-A45A7A8E6189}"/>
+                <a16:creationId xmlns:a16="http://schemas.microsoft.com/office/drawing/2014/main" id="{1AF44941-6B89-2808-E86D-69735CA7B92D}"/>
               </a:ext>
             </a:extLst>
           </p:cNvPr>
@@ -2715,7 +2715,7 @@
           <a:bodyPr/>
           <a:lstStyle/>
           <a:p>
-            <a:fld id="{05347555-3B71-486C-9CA1-C7D10AA64AFA}" type="slidenum">
+            <a:fld id="{050105EB-9BC7-418C-A1CB-BCBA18BAA1C9}" type="slidenum">
               <a:rPr lang="zh-CN" altLang="en-US" smtClean="0"/>
               <a:t>‹#›</a:t>
             </a:fld>
@@ -2726,7 +2726,7 @@
     </p:spTree>
     <p:extLst>
       <p:ext uri="{BB962C8B-B14F-4D97-AF65-F5344CB8AC3E}">
-        <p14:creationId xmlns:p14="http://schemas.microsoft.com/office/powerpoint/2010/main" val="1982842452"/>
+        <p14:creationId xmlns:p14="http://schemas.microsoft.com/office/powerpoint/2010/main" val="4176727223"/>
       </p:ext>
     </p:extLst>
   </p:cSld>
@@ -2763,7 +2763,7 @@
           <p:cNvPr id="2" name="标题占位符 1">
             <a:extLst>
               <a:ext uri="{FF2B5EF4-FFF2-40B4-BE49-F238E27FC236}">
-                <a16:creationId xmlns:a16="http://schemas.microsoft.com/office/drawing/2014/main" id="{F64C3583-F217-27C1-8230-30CB88A37758}"/>
+                <a16:creationId xmlns:a16="http://schemas.microsoft.com/office/drawing/2014/main" id="{C60AC8BE-1E8E-7DDD-0655-80B77C2B34A7}"/>
               </a:ext>
             </a:extLst>
           </p:cNvPr>
@@ -2801,7 +2801,7 @@
           <p:cNvPr id="3" name="文本占位符 2">
             <a:extLst>
               <a:ext uri="{FF2B5EF4-FFF2-40B4-BE49-F238E27FC236}">
-                <a16:creationId xmlns:a16="http://schemas.microsoft.com/office/drawing/2014/main" id="{96AE753C-57E0-11D0-1379-B06CF1A55D9D}"/>
+                <a16:creationId xmlns:a16="http://schemas.microsoft.com/office/drawing/2014/main" id="{9E10F11C-EF19-4CF0-57B0-B43B2749D75A}"/>
               </a:ext>
             </a:extLst>
           </p:cNvPr>
@@ -2868,7 +2868,7 @@
           <p:cNvPr id="4" name="日期占位符 3">
             <a:extLst>
               <a:ext uri="{FF2B5EF4-FFF2-40B4-BE49-F238E27FC236}">
-                <a16:creationId xmlns:a16="http://schemas.microsoft.com/office/drawing/2014/main" id="{5E07FC3E-0472-3928-02BE-C34D574A3F86}"/>
+                <a16:creationId xmlns:a16="http://schemas.microsoft.com/office/drawing/2014/main" id="{C55009A8-235D-529C-C840-AB982F7CA67F}"/>
               </a:ext>
             </a:extLst>
           </p:cNvPr>
@@ -2902,7 +2902,7 @@
             </a:lvl1pPr>
           </a:lstStyle>
           <a:p>
-            <a:fld id="{1DA74281-D6EF-4865-B73E-40E2CA04A29D}" type="datetimeFigureOut">
+            <a:fld id="{A7C90995-E86F-4C5E-9D44-6D6B3A0B6761}" type="datetimeFigureOut">
               <a:rPr lang="zh-CN" altLang="en-US" smtClean="0"/>
               <a:t>2024/3/10</a:t>
             </a:fld>
@@ -2915,7 +2915,7 @@
           <p:cNvPr id="5" name="页脚占位符 4">
             <a:extLst>
               <a:ext uri="{FF2B5EF4-FFF2-40B4-BE49-F238E27FC236}">
-                <a16:creationId xmlns:a16="http://schemas.microsoft.com/office/drawing/2014/main" id="{EDAC53FA-B37A-1DE8-AE7D-76583833DAA6}"/>
+                <a16:creationId xmlns:a16="http://schemas.microsoft.com/office/drawing/2014/main" id="{3FF8F0AA-399E-081C-2055-5AD3A4D2BFB2}"/>
               </a:ext>
             </a:extLst>
           </p:cNvPr>
@@ -2958,7 +2958,7 @@
           <p:cNvPr id="6" name="灯片编号占位符 5">
             <a:extLst>
               <a:ext uri="{FF2B5EF4-FFF2-40B4-BE49-F238E27FC236}">
-                <a16:creationId xmlns:a16="http://schemas.microsoft.com/office/drawing/2014/main" id="{A7A6DC75-287E-53B3-40DA-1CF135916797}"/>
+                <a16:creationId xmlns:a16="http://schemas.microsoft.com/office/drawing/2014/main" id="{AAE791A6-9174-3DFC-0492-41B6F7F4D882}"/>
               </a:ext>
             </a:extLst>
           </p:cNvPr>
@@ -2992,7 +2992,7 @@
             </a:lvl1pPr>
           </a:lstStyle>
           <a:p>
-            <a:fld id="{05347555-3B71-486C-9CA1-C7D10AA64AFA}" type="slidenum">
+            <a:fld id="{050105EB-9BC7-418C-A1CB-BCBA18BAA1C9}" type="slidenum">
               <a:rPr lang="zh-CN" altLang="en-US" smtClean="0"/>
               <a:t>‹#›</a:t>
             </a:fld>
@@ -3003,7 +3003,7 @@
     </p:spTree>
     <p:extLst>
       <p:ext uri="{BB962C8B-B14F-4D97-AF65-F5344CB8AC3E}">
-        <p14:creationId xmlns:p14="http://schemas.microsoft.com/office/powerpoint/2010/main" val="3824947167"/>
+        <p14:creationId xmlns:p14="http://schemas.microsoft.com/office/powerpoint/2010/main" val="3664703890"/>
       </p:ext>
     </p:extLst>
   </p:cSld>
@@ -3323,7 +3323,7 @@
       </p:grpSpPr>
       <p:pic>
         <p:nvPicPr>
-          <p:cNvPr id="354306" name="Picture 2" descr="345"/>
+          <p:cNvPr id="355330" name="Picture 2" descr="346"/>
           <p:cNvPicPr>
             <a:picLocks noChangeAspect="1" noChangeArrowheads="1"/>
           </p:cNvPicPr>
